--- a/GAM_WR_JM.pptx
+++ b/GAM_WR_JM.pptx
@@ -18,11 +18,11 @@
     <p:sldId id="416" r:id="rId9"/>
     <p:sldId id="414" r:id="rId10"/>
     <p:sldId id="415" r:id="rId11"/>
-    <p:sldId id="417" r:id="rId12"/>
-    <p:sldId id="424" r:id="rId13"/>
-    <p:sldId id="422" r:id="rId14"/>
-    <p:sldId id="423" r:id="rId15"/>
-    <p:sldId id="425" r:id="rId16"/>
+    <p:sldId id="425" r:id="rId12"/>
+    <p:sldId id="417" r:id="rId13"/>
+    <p:sldId id="424" r:id="rId14"/>
+    <p:sldId id="422" r:id="rId15"/>
+    <p:sldId id="423" r:id="rId16"/>
     <p:sldId id="420" r:id="rId17"/>
     <p:sldId id="421" r:id="rId18"/>
     <p:sldId id="402" r:id="rId19"/>
@@ -144,11 +144,11 @@
             <p14:sldId id="416"/>
             <p14:sldId id="414"/>
             <p14:sldId id="415"/>
+            <p14:sldId id="425"/>
             <p14:sldId id="417"/>
             <p14:sldId id="424"/>
             <p14:sldId id="422"/>
             <p14:sldId id="423"/>
-            <p14:sldId id="425"/>
             <p14:sldId id="420"/>
             <p14:sldId id="421"/>
             <p14:sldId id="402"/>
@@ -265,7 +265,7 @@
           <a:p>
             <a:fld id="{A37412F8-F5B2-4E91-A7A9-D9F7BF85C0F0}" type="datetimeFigureOut">
               <a:rPr lang="es-ES" smtClean="0"/>
-              <a:t>06/06/2020</a:t>
+              <a:t>07/06/2020</a:t>
             </a:fld>
             <a:endParaRPr lang="es-ES"/>
           </a:p>
@@ -1797,7 +1797,7 @@
           <a:p>
             <a:fld id="{9D3B7099-133D-419A-A02C-C063AC778125}" type="datetime12">
               <a:rPr lang="es-CO" smtClean="0"/>
-              <a:t>1:06 a. m.</a:t>
+              <a:t>10:23 p. m.</a:t>
             </a:fld>
             <a:endParaRPr lang="es-CO"/>
           </a:p>
@@ -2002,7 +2002,7 @@
           <a:p>
             <a:fld id="{16B1D5AA-6D3B-4915-ADE6-326E85404155}" type="datetime12">
               <a:rPr lang="es-CO" smtClean="0"/>
-              <a:t>1:06 a. m.</a:t>
+              <a:t>10:23 p. m.</a:t>
             </a:fld>
             <a:endParaRPr lang="es-CO"/>
           </a:p>
@@ -2185,7 +2185,7 @@
           <a:p>
             <a:fld id="{0234ABA6-D21F-4128-8544-8D54CB08A395}" type="datetime12">
               <a:rPr lang="es-CO" smtClean="0"/>
-              <a:t>1:06 a. m.</a:t>
+              <a:t>10:23 p. m.</a:t>
             </a:fld>
             <a:endParaRPr lang="es-CO"/>
           </a:p>
@@ -2374,7 +2374,7 @@
           <a:p>
             <a:fld id="{92B19E94-EEFF-4BDB-B490-F162870C6295}" type="datetime12">
               <a:rPr lang="es-CO" smtClean="0"/>
-              <a:t>1:06 a. m.</a:t>
+              <a:t>10:23 p. m.</a:t>
             </a:fld>
             <a:endParaRPr lang="es-CO"/>
           </a:p>
@@ -2682,7 +2682,7 @@
           <a:p>
             <a:fld id="{86B6BB48-EE3A-4919-BB2F-D27E88C65B4A}" type="datetime12">
               <a:rPr lang="es-CO" smtClean="0"/>
-              <a:t>1:06 a. m.</a:t>
+              <a:t>10:23 p. m.</a:t>
             </a:fld>
             <a:endParaRPr lang="es-CO"/>
           </a:p>
@@ -2925,7 +2925,7 @@
           <a:p>
             <a:fld id="{1D721E58-8CA1-4944-AFB7-132AD8B538D0}" type="datetime12">
               <a:rPr lang="es-CO" smtClean="0"/>
-              <a:t>1:06 a. m.</a:t>
+              <a:t>10:23 p. m.</a:t>
             </a:fld>
             <a:endParaRPr lang="es-CO"/>
           </a:p>
@@ -3354,7 +3354,7 @@
           <a:p>
             <a:fld id="{256C7201-A178-4537-B9A5-2ABE0878D9C3}" type="datetime12">
               <a:rPr lang="es-CO" smtClean="0"/>
-              <a:t>1:06 a. m.</a:t>
+              <a:t>10:23 p. m.</a:t>
             </a:fld>
             <a:endParaRPr lang="es-CO"/>
           </a:p>
@@ -3475,7 +3475,7 @@
           <a:p>
             <a:fld id="{854081FC-F7FF-4CAA-8CAF-7A5C136C3DAE}" type="datetime12">
               <a:rPr lang="es-CO" smtClean="0"/>
-              <a:t>1:06 a. m.</a:t>
+              <a:t>10:23 p. m.</a:t>
             </a:fld>
             <a:endParaRPr lang="es-CO"/>
           </a:p>
@@ -3632,7 +3632,7 @@
           <a:p>
             <a:fld id="{5E465501-6D1B-434F-966C-B957C5804882}" type="datetime12">
               <a:rPr lang="es-CO" smtClean="0"/>
-              <a:t>1:06 a. m.</a:t>
+              <a:t>10:23 p. m.</a:t>
             </a:fld>
             <a:endParaRPr lang="es-CO"/>
           </a:p>
@@ -3912,7 +3912,7 @@
           <a:p>
             <a:fld id="{32F87BA5-86D2-46C6-89BB-2619476D293A}" type="datetime12">
               <a:rPr lang="es-CO" smtClean="0"/>
-              <a:t>1:06 a. m.</a:t>
+              <a:t>10:23 p. m.</a:t>
             </a:fld>
             <a:endParaRPr lang="es-CO"/>
           </a:p>
@@ -4168,7 +4168,7 @@
           <a:p>
             <a:fld id="{A1EA135D-8A7E-4F56-AFFD-454EDFB3F139}" type="datetime12">
               <a:rPr lang="es-CO" smtClean="0"/>
-              <a:t>1:06 a. m.</a:t>
+              <a:t>10:23 p. m.</a:t>
             </a:fld>
             <a:endParaRPr lang="es-CO"/>
           </a:p>
@@ -4384,7 +4384,7 @@
           <a:p>
             <a:fld id="{0943F7A1-7933-4C00-B61C-22F0C730D18A}" type="datetime12">
               <a:rPr lang="es-CO" smtClean="0"/>
-              <a:t>1:06 a. m.</a:t>
+              <a:t>10:23 p. m.</a:t>
             </a:fld>
             <a:endParaRPr lang="es-CO"/>
           </a:p>
@@ -5409,6 +5409,134 @@
           <p:cNvPr id="2" name="Título 1">
             <a:extLst>
               <a:ext uri="{FF2B5EF4-FFF2-40B4-BE49-F238E27FC236}">
+                <a16:creationId xmlns:a16="http://schemas.microsoft.com/office/drawing/2014/main" id="{68EAA04B-3542-4298-9716-F35D3329AC54}"/>
+              </a:ext>
+            </a:extLst>
+          </p:cNvPr>
+          <p:cNvSpPr>
+            <a:spLocks noGrp="1"/>
+          </p:cNvSpPr>
+          <p:nvPr>
+            <p:ph type="title"/>
+          </p:nvPr>
+        </p:nvSpPr>
+        <p:spPr/>
+        <p:txBody>
+          <a:bodyPr/>
+          <a:lstStyle/>
+          <a:p>
+            <a:r>
+              <a:rPr lang="es-CO" dirty="0" err="1"/>
+              <a:t>Building</a:t>
+            </a:r>
+            <a:r>
+              <a:rPr lang="es-CO" dirty="0"/>
+              <a:t> interpretable </a:t>
+            </a:r>
+            <a:r>
+              <a:rPr lang="es-CO" dirty="0" err="1"/>
+              <a:t>models</a:t>
+            </a:r>
+            <a:endParaRPr lang="es-CO" dirty="0"/>
+          </a:p>
+        </p:txBody>
+      </p:sp>
+      <p:sp>
+        <p:nvSpPr>
+          <p:cNvPr id="4" name="Marcador de número de diapositiva 3">
+            <a:extLst>
+              <a:ext uri="{FF2B5EF4-FFF2-40B4-BE49-F238E27FC236}">
+                <a16:creationId xmlns:a16="http://schemas.microsoft.com/office/drawing/2014/main" id="{769A3844-3EC9-46AB-AD3F-4D2703F65E57}"/>
+              </a:ext>
+            </a:extLst>
+          </p:cNvPr>
+          <p:cNvSpPr>
+            <a:spLocks noGrp="1"/>
+          </p:cNvSpPr>
+          <p:nvPr>
+            <p:ph type="sldNum" sz="quarter" idx="12"/>
+          </p:nvPr>
+        </p:nvSpPr>
+        <p:spPr/>
+        <p:txBody>
+          <a:bodyPr/>
+          <a:lstStyle/>
+          <a:p>
+            <a:fld id="{3F163507-F71A-41E1-AD77-0E3FF3B051A2}" type="slidenum">
+              <a:rPr lang="es-CO" smtClean="0"/>
+              <a:t>11</a:t>
+            </a:fld>
+            <a:endParaRPr lang="es-CO" dirty="0"/>
+          </a:p>
+        </p:txBody>
+      </p:sp>
+      <p:pic>
+        <p:nvPicPr>
+          <p:cNvPr id="6" name="Marcador de contenido 5">
+            <a:extLst>
+              <a:ext uri="{FF2B5EF4-FFF2-40B4-BE49-F238E27FC236}">
+                <a16:creationId xmlns:a16="http://schemas.microsoft.com/office/drawing/2014/main" id="{ECC118C4-0B0C-4C7B-8DFA-3DC7F00F08BB}"/>
+              </a:ext>
+            </a:extLst>
+          </p:cNvPr>
+          <p:cNvPicPr>
+            <a:picLocks noGrp="1" noChangeAspect="1"/>
+          </p:cNvPicPr>
+          <p:nvPr>
+            <p:ph idx="1"/>
+          </p:nvPr>
+        </p:nvPicPr>
+        <p:blipFill>
+          <a:blip r:embed="rId2"/>
+          <a:stretch>
+            <a:fillRect/>
+          </a:stretch>
+        </p:blipFill>
+        <p:spPr>
+          <a:xfrm>
+            <a:off x="1714500" y="2323233"/>
+            <a:ext cx="8763000" cy="3626846"/>
+          </a:xfrm>
+          <a:prstGeom prst="rect">
+            <a:avLst/>
+          </a:prstGeom>
+        </p:spPr>
+      </p:pic>
+    </p:spTree>
+    <p:extLst>
+      <p:ext uri="{BB962C8B-B14F-4D97-AF65-F5344CB8AC3E}">
+        <p14:creationId xmlns:p14="http://schemas.microsoft.com/office/powerpoint/2010/main" val="3031831011"/>
+      </p:ext>
+    </p:extLst>
+  </p:cSld>
+  <p:clrMapOvr>
+    <a:masterClrMapping/>
+  </p:clrMapOvr>
+</p:sld>
+</file>
+
+<file path=ppt/slides/slide12.xml><?xml version="1.0" encoding="utf-8"?>
+<p:sld xmlns:a="http://schemas.openxmlformats.org/drawingml/2006/main" xmlns:r="http://schemas.openxmlformats.org/officeDocument/2006/relationships" xmlns:p="http://schemas.openxmlformats.org/presentationml/2006/main">
+  <p:cSld>
+    <p:spTree>
+      <p:nvGrpSpPr>
+        <p:cNvPr id="1" name=""/>
+        <p:cNvGrpSpPr/>
+        <p:nvPr/>
+      </p:nvGrpSpPr>
+      <p:grpSpPr>
+        <a:xfrm>
+          <a:off x="0" y="0"/>
+          <a:ext cx="0" cy="0"/>
+          <a:chOff x="0" y="0"/>
+          <a:chExt cx="0" cy="0"/>
+        </a:xfrm>
+      </p:grpSpPr>
+      <p:sp>
+        <p:nvSpPr>
+          <p:cNvPr id="2" name="Título 1">
+            <a:extLst>
+              <a:ext uri="{FF2B5EF4-FFF2-40B4-BE49-F238E27FC236}">
                 <a16:creationId xmlns:a16="http://schemas.microsoft.com/office/drawing/2014/main" id="{AF9CC350-C92D-44BF-9240-71195BDD7E0C}"/>
               </a:ext>
             </a:extLst>
@@ -5464,7 +5592,7 @@
           <a:p>
             <a:fld id="{3F163507-F71A-41E1-AD77-0E3FF3B051A2}" type="slidenum">
               <a:rPr lang="es-CO" smtClean="0"/>
-              <a:t>11</a:t>
+              <a:t>12</a:t>
             </a:fld>
             <a:endParaRPr lang="es-CO" dirty="0"/>
           </a:p>
@@ -5885,7 +6013,7 @@
 </p:sld>
 </file>
 
-<file path=ppt/slides/slide12.xml><?xml version="1.0" encoding="utf-8"?>
+<file path=ppt/slides/slide13.xml><?xml version="1.0" encoding="utf-8"?>
 <p:sld xmlns:a="http://schemas.openxmlformats.org/drawingml/2006/main" xmlns:r="http://schemas.openxmlformats.org/officeDocument/2006/relationships" xmlns:p="http://schemas.openxmlformats.org/presentationml/2006/main">
   <p:cSld>
     <p:spTree>
@@ -5962,7 +6090,7 @@
           <a:p>
             <a:fld id="{3F163507-F71A-41E1-AD77-0E3FF3B051A2}" type="slidenum">
               <a:rPr lang="es-CO" smtClean="0"/>
-              <a:t>12</a:t>
+              <a:t>13</a:t>
             </a:fld>
             <a:endParaRPr lang="es-CO" dirty="0"/>
           </a:p>
@@ -6203,7 +6331,7 @@
 </p:sld>
 </file>
 
-<file path=ppt/slides/slide13.xml><?xml version="1.0" encoding="utf-8"?>
+<file path=ppt/slides/slide14.xml><?xml version="1.0" encoding="utf-8"?>
 <p:sld xmlns:a="http://schemas.openxmlformats.org/drawingml/2006/main" xmlns:r="http://schemas.openxmlformats.org/officeDocument/2006/relationships" xmlns:p="http://schemas.openxmlformats.org/presentationml/2006/main">
   <p:cSld>
     <p:spTree>
@@ -6280,7 +6408,7 @@
           <a:p>
             <a:fld id="{3F163507-F71A-41E1-AD77-0E3FF3B051A2}" type="slidenum">
               <a:rPr lang="es-CO" smtClean="0"/>
-              <a:t>13</a:t>
+              <a:t>14</a:t>
             </a:fld>
             <a:endParaRPr lang="es-CO" dirty="0"/>
           </a:p>
@@ -9718,7 +9846,7 @@
 </p:sld>
 </file>
 
-<file path=ppt/slides/slide14.xml><?xml version="1.0" encoding="utf-8"?>
+<file path=ppt/slides/slide15.xml><?xml version="1.0" encoding="utf-8"?>
 <p:sld xmlns:a="http://schemas.openxmlformats.org/drawingml/2006/main" xmlns:r="http://schemas.openxmlformats.org/officeDocument/2006/relationships" xmlns:p="http://schemas.openxmlformats.org/presentationml/2006/main">
   <p:cSld>
     <p:spTree>
@@ -9795,7 +9923,7 @@
           <a:p>
             <a:fld id="{3F163507-F71A-41E1-AD77-0E3FF3B051A2}" type="slidenum">
               <a:rPr lang="es-CO" smtClean="0"/>
-              <a:t>14</a:t>
+              <a:t>15</a:t>
             </a:fld>
             <a:endParaRPr lang="es-CO" dirty="0"/>
           </a:p>
@@ -10186,134 +10314,6 @@
     <p:extLst>
       <p:ext uri="{BB962C8B-B14F-4D97-AF65-F5344CB8AC3E}">
         <p14:creationId xmlns:p14="http://schemas.microsoft.com/office/powerpoint/2010/main" val="2198492160"/>
-      </p:ext>
-    </p:extLst>
-  </p:cSld>
-  <p:clrMapOvr>
-    <a:masterClrMapping/>
-  </p:clrMapOvr>
-</p:sld>
-</file>
-
-<file path=ppt/slides/slide15.xml><?xml version="1.0" encoding="utf-8"?>
-<p:sld xmlns:a="http://schemas.openxmlformats.org/drawingml/2006/main" xmlns:r="http://schemas.openxmlformats.org/officeDocument/2006/relationships" xmlns:p="http://schemas.openxmlformats.org/presentationml/2006/main">
-  <p:cSld>
-    <p:spTree>
-      <p:nvGrpSpPr>
-        <p:cNvPr id="1" name=""/>
-        <p:cNvGrpSpPr/>
-        <p:nvPr/>
-      </p:nvGrpSpPr>
-      <p:grpSpPr>
-        <a:xfrm>
-          <a:off x="0" y="0"/>
-          <a:ext cx="0" cy="0"/>
-          <a:chOff x="0" y="0"/>
-          <a:chExt cx="0" cy="0"/>
-        </a:xfrm>
-      </p:grpSpPr>
-      <p:sp>
-        <p:nvSpPr>
-          <p:cNvPr id="2" name="Título 1">
-            <a:extLst>
-              <a:ext uri="{FF2B5EF4-FFF2-40B4-BE49-F238E27FC236}">
-                <a16:creationId xmlns:a16="http://schemas.microsoft.com/office/drawing/2014/main" id="{68EAA04B-3542-4298-9716-F35D3329AC54}"/>
-              </a:ext>
-            </a:extLst>
-          </p:cNvPr>
-          <p:cNvSpPr>
-            <a:spLocks noGrp="1"/>
-          </p:cNvSpPr>
-          <p:nvPr>
-            <p:ph type="title"/>
-          </p:nvPr>
-        </p:nvSpPr>
-        <p:spPr/>
-        <p:txBody>
-          <a:bodyPr/>
-          <a:lstStyle/>
-          <a:p>
-            <a:r>
-              <a:rPr lang="es-CO" dirty="0" err="1"/>
-              <a:t>Building</a:t>
-            </a:r>
-            <a:r>
-              <a:rPr lang="es-CO" dirty="0"/>
-              <a:t> interpretable </a:t>
-            </a:r>
-            <a:r>
-              <a:rPr lang="es-CO" dirty="0" err="1"/>
-              <a:t>models</a:t>
-            </a:r>
-            <a:endParaRPr lang="es-CO" dirty="0"/>
-          </a:p>
-        </p:txBody>
-      </p:sp>
-      <p:sp>
-        <p:nvSpPr>
-          <p:cNvPr id="4" name="Marcador de número de diapositiva 3">
-            <a:extLst>
-              <a:ext uri="{FF2B5EF4-FFF2-40B4-BE49-F238E27FC236}">
-                <a16:creationId xmlns:a16="http://schemas.microsoft.com/office/drawing/2014/main" id="{769A3844-3EC9-46AB-AD3F-4D2703F65E57}"/>
-              </a:ext>
-            </a:extLst>
-          </p:cNvPr>
-          <p:cNvSpPr>
-            <a:spLocks noGrp="1"/>
-          </p:cNvSpPr>
-          <p:nvPr>
-            <p:ph type="sldNum" sz="quarter" idx="12"/>
-          </p:nvPr>
-        </p:nvSpPr>
-        <p:spPr/>
-        <p:txBody>
-          <a:bodyPr/>
-          <a:lstStyle/>
-          <a:p>
-            <a:fld id="{3F163507-F71A-41E1-AD77-0E3FF3B051A2}" type="slidenum">
-              <a:rPr lang="es-CO" smtClean="0"/>
-              <a:t>15</a:t>
-            </a:fld>
-            <a:endParaRPr lang="es-CO" dirty="0"/>
-          </a:p>
-        </p:txBody>
-      </p:sp>
-      <p:pic>
-        <p:nvPicPr>
-          <p:cNvPr id="6" name="Marcador de contenido 5">
-            <a:extLst>
-              <a:ext uri="{FF2B5EF4-FFF2-40B4-BE49-F238E27FC236}">
-                <a16:creationId xmlns:a16="http://schemas.microsoft.com/office/drawing/2014/main" id="{ECC118C4-0B0C-4C7B-8DFA-3DC7F00F08BB}"/>
-              </a:ext>
-            </a:extLst>
-          </p:cNvPr>
-          <p:cNvPicPr>
-            <a:picLocks noGrp="1" noChangeAspect="1"/>
-          </p:cNvPicPr>
-          <p:nvPr>
-            <p:ph idx="1"/>
-          </p:nvPr>
-        </p:nvPicPr>
-        <p:blipFill>
-          <a:blip r:embed="rId2"/>
-          <a:stretch>
-            <a:fillRect/>
-          </a:stretch>
-        </p:blipFill>
-        <p:spPr>
-          <a:xfrm>
-            <a:off x="1714500" y="2323233"/>
-            <a:ext cx="8763000" cy="3626846"/>
-          </a:xfrm>
-          <a:prstGeom prst="rect">
-            <a:avLst/>
-          </a:prstGeom>
-        </p:spPr>
-      </p:pic>
-    </p:spTree>
-    <p:extLst>
-      <p:ext uri="{BB962C8B-B14F-4D97-AF65-F5344CB8AC3E}">
-        <p14:creationId xmlns:p14="http://schemas.microsoft.com/office/powerpoint/2010/main" val="3031831011"/>
       </p:ext>
     </p:extLst>
   </p:cSld>
@@ -20503,8 +20503,8 @@
           </a:p>
         </p:txBody>
       </p:sp>
-      <mc:AlternateContent xmlns:mc="http://schemas.openxmlformats.org/markup-compatibility/2006">
-        <mc:Choice xmlns:a14="http://schemas.microsoft.com/office/drawing/2010/main" Requires="a14">
+      <mc:AlternateContent xmlns:mc="http://schemas.openxmlformats.org/markup-compatibility/2006" xmlns:a14="http://schemas.microsoft.com/office/drawing/2010/main">
+        <mc:Choice Requires="a14">
           <p:sp>
             <p:nvSpPr>
               <p:cNvPr id="5" name="CuadroTexto 4">
@@ -20533,6 +20533,7 @@
               </a:bodyPr>
               <a:lstStyle/>
               <a:p>
+                <a:pPr/>
                 <a14:m>
                   <m:oMathPara xmlns:m="http://schemas.openxmlformats.org/officeDocument/2006/math">
                     <m:oMathParaPr>
@@ -20864,7 +20865,7 @@
             </p:txBody>
           </p:sp>
         </mc:Choice>
-        <mc:Fallback>
+        <mc:Fallback xmlns="">
           <p:sp>
             <p:nvSpPr>
               <p:cNvPr id="5" name="CuadroTexto 4">
@@ -21048,8 +21049,8 @@
           </a:p>
         </p:txBody>
       </p:sp>
-      <mc:AlternateContent xmlns:mc="http://schemas.openxmlformats.org/markup-compatibility/2006">
-        <mc:Choice xmlns:a14="http://schemas.microsoft.com/office/drawing/2010/main" Requires="a14">
+      <mc:AlternateContent xmlns:mc="http://schemas.openxmlformats.org/markup-compatibility/2006" xmlns:a14="http://schemas.microsoft.com/office/drawing/2010/main">
+        <mc:Choice Requires="a14">
           <p:sp>
             <p:nvSpPr>
               <p:cNvPr id="12" name="Rectángulo 11">
@@ -21200,7 +21201,7 @@
             </p:txBody>
           </p:sp>
         </mc:Choice>
-        <mc:Fallback>
+        <mc:Fallback xmlns="">
           <p:sp>
             <p:nvSpPr>
               <p:cNvPr id="12" name="Rectángulo 11">
